--- a/PitchPresentation.pptx
+++ b/PitchPresentation.pptx
@@ -107,6 +107,11 @@
       </a:defRPr>
     </a:lvl9pPr>
   </p:defaultTextStyle>
+  <p:extLst>
+    <p:ext uri="{EFAFB233-063F-42B5-8137-9DF3F51BA10A}">
+      <p15:sldGuideLst xmlns:p15="http://schemas.microsoft.com/office/powerpoint/2012/main"/>
+    </p:ext>
+  </p:extLst>
 </p:presentation>
 </file>
 
@@ -3823,11 +3828,58 @@
             <p:ph type="subTitle" idx="1"/>
           </p:nvPr>
         </p:nvSpPr>
-        <p:spPr/>
-        <p:txBody>
-          <a:bodyPr/>
+        <p:spPr>
+          <a:xfrm>
+            <a:off x="1117807" y="4464498"/>
+            <a:ext cx="10058400" cy="1143000"/>
+          </a:xfrm>
+        </p:spPr>
+        <p:txBody>
+          <a:bodyPr>
+            <a:normAutofit fontScale="47500" lnSpcReduction="20000"/>
+          </a:bodyPr>
           <a:lstStyle/>
           <a:p>
+            <a:pPr algn="ctr"/>
+            <a:r>
+              <a:rPr lang="en-US" dirty="0" err="1"/>
+              <a:t>Rutvik</a:t>
+            </a:r>
+            <a:r>
+              <a:rPr lang="en-US" dirty="0"/>
+              <a:t> </a:t>
+            </a:r>
+            <a:r>
+              <a:rPr lang="en-US" dirty="0" err="1"/>
+              <a:t>sheth</a:t>
+            </a:r>
+            <a:endParaRPr lang="en-US" dirty="0"/>
+          </a:p>
+          <a:p>
+            <a:pPr algn="ctr"/>
+            <a:r>
+              <a:rPr lang="en-US" dirty="0"/>
+              <a:t>Alex </a:t>
+            </a:r>
+            <a:r>
+              <a:rPr lang="en-US" dirty="0" err="1"/>
+              <a:t>moica</a:t>
+            </a:r>
+            <a:endParaRPr lang="en-US" dirty="0"/>
+          </a:p>
+          <a:p>
+            <a:pPr algn="ctr"/>
+            <a:r>
+              <a:rPr lang="en-US" dirty="0"/>
+              <a:t>Jonathan wang</a:t>
+            </a:r>
+          </a:p>
+          <a:p>
+            <a:pPr algn="ctr"/>
+            <a:r>
+              <a:rPr lang="en-US" dirty="0"/>
+              <a:t>Ayman shaikh</a:t>
+            </a:r>
             <a:endParaRPr lang="en-CA" dirty="0"/>
           </a:p>
         </p:txBody>
@@ -3860,8 +3912,8 @@
         </p:blipFill>
         <p:spPr>
           <a:xfrm>
-            <a:off x="2916038" y="1259380"/>
-            <a:ext cx="1619250" cy="1619250"/>
+            <a:off x="2046025" y="868793"/>
+            <a:ext cx="2560207" cy="2560207"/>
           </a:xfrm>
           <a:prstGeom prst="rect">
             <a:avLst/>
@@ -3883,7 +3935,7 @@
         <p:spPr>
           <a:xfrm>
             <a:off x="4776185" y="1819922"/>
-            <a:ext cx="4437633" cy="830997"/>
+            <a:ext cx="5193438" cy="1015663"/>
           </a:xfrm>
           <a:prstGeom prst="rect">
             <a:avLst/>
@@ -3897,7 +3949,7 @@
           <a:lstStyle/>
           <a:p>
             <a:r>
-              <a:rPr lang="en-US" sz="4800" b="1" dirty="0">
+              <a:rPr lang="en-US" sz="6000" b="1" dirty="0">
                 <a:solidFill>
                   <a:srgbClr val="FF0000"/>
                 </a:solidFill>
@@ -3905,7 +3957,7 @@
               </a:rPr>
               <a:t>MARKBOARD</a:t>
             </a:r>
-            <a:endParaRPr lang="en-CA" sz="4800" b="1" dirty="0">
+            <a:endParaRPr lang="en-CA" sz="6000" b="1" dirty="0">
               <a:solidFill>
                 <a:srgbClr val="FF0000"/>
               </a:solidFill>
@@ -4003,7 +4055,7 @@
         </p:nvSpPr>
         <p:spPr>
           <a:xfrm>
-            <a:off x="264694" y="1845733"/>
+            <a:off x="529388" y="2023286"/>
             <a:ext cx="11662612" cy="3464204"/>
           </a:xfrm>
         </p:spPr>
@@ -4025,7 +4077,7 @@
                 <a:latin typeface="Arial" panose="020B0604020202020204" pitchFamily="34" charset="0"/>
                 <a:cs typeface="Arial" panose="020B0604020202020204" pitchFamily="34" charset="0"/>
               </a:rPr>
-              <a:t>Conventional school sites have a complicated interface to access:</a:t>
+              <a:t>School sites have a complicated interface to access:</a:t>
             </a:r>
           </a:p>
           <a:p>
@@ -4034,10 +4086,10 @@
                 <a:schemeClr val="accent2"/>
               </a:buClr>
               <a:buFont typeface="Wingdings" panose="05000000000000000000" pitchFamily="2" charset="2"/>
-              <a:buChar char="Ø"/>
+              <a:buChar char="v"/>
             </a:pPr>
             <a:r>
-              <a:rPr lang="en-US" sz="2800" dirty="0">
+              <a:rPr lang="en-US" sz="2400" dirty="0">
                 <a:latin typeface="Arial" panose="020B0604020202020204" pitchFamily="34" charset="0"/>
                 <a:cs typeface="Arial" panose="020B0604020202020204" pitchFamily="34" charset="0"/>
               </a:rPr>
@@ -4050,10 +4102,10 @@
                 <a:schemeClr val="accent2"/>
               </a:buClr>
               <a:buFont typeface="Wingdings" panose="05000000000000000000" pitchFamily="2" charset="2"/>
-              <a:buChar char="Ø"/>
+              <a:buChar char="v"/>
             </a:pPr>
             <a:r>
-              <a:rPr lang="en-US" sz="2800" dirty="0">
+              <a:rPr lang="en-US" sz="2400" dirty="0">
                 <a:latin typeface="Arial" panose="020B0604020202020204" pitchFamily="34" charset="0"/>
                 <a:cs typeface="Arial" panose="020B0604020202020204" pitchFamily="34" charset="0"/>
               </a:rPr>
@@ -4066,10 +4118,10 @@
                 <a:schemeClr val="accent2"/>
               </a:buClr>
               <a:buFont typeface="Wingdings" panose="05000000000000000000" pitchFamily="2" charset="2"/>
-              <a:buChar char="Ø"/>
+              <a:buChar char="v"/>
             </a:pPr>
             <a:r>
-              <a:rPr lang="en-US" sz="2800" dirty="0">
+              <a:rPr lang="en-US" sz="2400" dirty="0">
                 <a:latin typeface="Arial" panose="020B0604020202020204" pitchFamily="34" charset="0"/>
                 <a:cs typeface="Arial" panose="020B0604020202020204" pitchFamily="34" charset="0"/>
               </a:rPr>
@@ -4089,7 +4141,7 @@
                 <a:latin typeface="Arial" panose="020B0604020202020204" pitchFamily="34" charset="0"/>
                 <a:cs typeface="Arial" panose="020B0604020202020204" pitchFamily="34" charset="0"/>
               </a:rPr>
-              <a:t>Inconvenient for students who just want to check current mark updates</a:t>
+              <a:t>Inconvenient option to quickly check mark updates</a:t>
             </a:r>
           </a:p>
         </p:txBody>
@@ -4171,6 +4223,18 @@
   <p:clrMapOvr>
     <a:masterClrMapping/>
   </p:clrMapOvr>
+  <mc:AlternateContent xmlns:mc="http://schemas.openxmlformats.org/markup-compatibility/2006">
+    <mc:Choice xmlns:p14="http://schemas.microsoft.com/office/powerpoint/2010/main" Requires="p14">
+      <p:transition spd="med" p14:dur="700">
+        <p:fade/>
+      </p:transition>
+    </mc:Choice>
+    <mc:Fallback>
+      <p:transition spd="med">
+        <p:fade/>
+      </p:transition>
+    </mc:Fallback>
+  </mc:AlternateContent>
 </p:sld>
 </file>
 
@@ -4245,7 +4309,7 @@
         </p:nvSpPr>
         <p:spPr>
           <a:xfrm>
-            <a:off x="296779" y="2061412"/>
+            <a:off x="593558" y="2061412"/>
             <a:ext cx="11598442" cy="3059229"/>
           </a:xfrm>
         </p:spPr>
@@ -4267,7 +4331,7 @@
                 <a:latin typeface="Arial" panose="020B0604020202020204" pitchFamily="34" charset="0"/>
                 <a:cs typeface="Arial" panose="020B0604020202020204" pitchFamily="34" charset="0"/>
               </a:rPr>
-              <a:t>PC program that condenses the ability to check grades into a few pages</a:t>
+              <a:t>PC program offering simple interface to check grades</a:t>
             </a:r>
           </a:p>
           <a:p>
@@ -4292,14 +4356,14 @@
                 <a:schemeClr val="accent2"/>
               </a:buClr>
               <a:buFont typeface="Wingdings" panose="05000000000000000000" pitchFamily="2" charset="2"/>
-              <a:buChar char="Ø"/>
+              <a:buChar char="v"/>
             </a:pPr>
             <a:r>
               <a:rPr lang="en-US" sz="2800" dirty="0">
                 <a:latin typeface="Arial" panose="020B0604020202020204" pitchFamily="34" charset="0"/>
                 <a:cs typeface="Arial" panose="020B0604020202020204" pitchFamily="34" charset="0"/>
               </a:rPr>
-              <a:t>Visuals ex. graphs showing mark breakdown</a:t>
+              <a:t>Visuals </a:t>
             </a:r>
           </a:p>
           <a:p>
@@ -4308,14 +4372,14 @@
                 <a:schemeClr val="accent2"/>
               </a:buClr>
               <a:buFont typeface="Wingdings" panose="05000000000000000000" pitchFamily="2" charset="2"/>
-              <a:buChar char="Ø"/>
+              <a:buChar char="v"/>
             </a:pPr>
             <a:r>
               <a:rPr lang="en-US" sz="2800" dirty="0">
                 <a:latin typeface="Arial" panose="020B0604020202020204" pitchFamily="34" charset="0"/>
                 <a:cs typeface="Arial" panose="020B0604020202020204" pitchFamily="34" charset="0"/>
               </a:rPr>
-              <a:t>Stats ex. current grade of completed coursework</a:t>
+              <a:t>Statistics</a:t>
             </a:r>
           </a:p>
           <a:p>
@@ -4324,18 +4388,15 @@
                 <a:schemeClr val="accent2"/>
               </a:buClr>
               <a:buFont typeface="Wingdings" panose="05000000000000000000" pitchFamily="2" charset="2"/>
-              <a:buChar char="Ø"/>
+              <a:buChar char="v"/>
             </a:pPr>
             <a:r>
               <a:rPr lang="en-US" sz="2800" dirty="0">
                 <a:latin typeface="Arial" panose="020B0604020202020204" pitchFamily="34" charset="0"/>
                 <a:cs typeface="Arial" panose="020B0604020202020204" pitchFamily="34" charset="0"/>
               </a:rPr>
-              <a:t>Tips depending on trend of grades</a:t>
-            </a:r>
-          </a:p>
-          <a:p>
-            <a:endParaRPr lang="en-CA" dirty="0"/>
+              <a:t>Tips </a:t>
+            </a:r>
           </a:p>
         </p:txBody>
       </p:sp>
@@ -4403,6 +4464,18 @@
   <p:clrMapOvr>
     <a:masterClrMapping/>
   </p:clrMapOvr>
+  <mc:AlternateContent xmlns:mc="http://schemas.openxmlformats.org/markup-compatibility/2006">
+    <mc:Choice xmlns:p14="http://schemas.microsoft.com/office/powerpoint/2010/main" Requires="p14">
+      <p:transition spd="med" p14:dur="700">
+        <p:fade/>
+      </p:transition>
+    </mc:Choice>
+    <mc:Fallback>
+      <p:transition spd="med">
+        <p:fade/>
+      </p:transition>
+    </mc:Fallback>
+  </mc:AlternateContent>
 </p:sld>
 </file>
 
@@ -4439,11 +4512,17 @@
             <p:ph type="title"/>
           </p:nvPr>
         </p:nvSpPr>
-        <p:spPr/>
+        <p:spPr>
+          <a:xfrm>
+            <a:off x="1097280" y="259970"/>
+            <a:ext cx="10058400" cy="1450757"/>
+          </a:xfrm>
+        </p:spPr>
         <p:txBody>
           <a:bodyPr/>
           <a:lstStyle/>
           <a:p>
+            <a:pPr algn="ctr"/>
             <a:r>
               <a:rPr lang="en-US" dirty="0">
                 <a:latin typeface="Arial" panose="020B0604020202020204" pitchFamily="34" charset="0"/>
@@ -4476,13 +4555,13 @@
         </p:nvSpPr>
         <p:spPr>
           <a:xfrm>
-            <a:off x="320842" y="2306498"/>
+            <a:off x="673769" y="2306498"/>
             <a:ext cx="11518231" cy="2245003"/>
           </a:xfrm>
         </p:spPr>
         <p:txBody>
           <a:bodyPr>
-            <a:normAutofit lnSpcReduction="10000"/>
+            <a:normAutofit/>
           </a:bodyPr>
           <a:lstStyle/>
           <a:p>
@@ -4498,7 +4577,7 @@
                 <a:latin typeface="Arial" panose="020B0604020202020204" pitchFamily="34" charset="0"/>
                 <a:cs typeface="Arial" panose="020B0604020202020204" pitchFamily="34" charset="0"/>
               </a:rPr>
-              <a:t>Expand to different universities across Canada with similar D2L sites</a:t>
+              <a:t>Expansion across Canadian Universities</a:t>
             </a:r>
           </a:p>
           <a:p>
@@ -4514,7 +4593,7 @@
                 <a:latin typeface="Arial" panose="020B0604020202020204" pitchFamily="34" charset="0"/>
                 <a:cs typeface="Arial" panose="020B0604020202020204" pitchFamily="34" charset="0"/>
               </a:rPr>
-              <a:t>Urge universities to have professors to post marks in a standard format</a:t>
+              <a:t>Promote a standard format of posting marks</a:t>
             </a:r>
           </a:p>
           <a:p>
@@ -4530,7 +4609,7 @@
                 <a:latin typeface="Arial" panose="020B0604020202020204" pitchFamily="34" charset="0"/>
                 <a:cs typeface="Arial" panose="020B0604020202020204" pitchFamily="34" charset="0"/>
               </a:rPr>
-              <a:t>Work with specific universities who have a different way of posting marks</a:t>
+              <a:t>Include universities with different systems</a:t>
             </a:r>
           </a:p>
         </p:txBody>
@@ -4621,6 +4700,148 @@
   <p:clrMapOvr>
     <a:masterClrMapping/>
   </p:clrMapOvr>
+  <mc:AlternateContent xmlns:mc="http://schemas.openxmlformats.org/markup-compatibility/2006">
+    <mc:Choice xmlns:p14="http://schemas.microsoft.com/office/powerpoint/2010/main" Requires="p14">
+      <p:transition spd="med" p14:dur="700">
+        <p:fade/>
+      </p:transition>
+    </mc:Choice>
+    <mc:Fallback>
+      <p:transition spd="med">
+        <p:fade/>
+      </p:transition>
+    </mc:Fallback>
+  </mc:AlternateContent>
+  <p:timing>
+    <p:tnLst>
+      <p:par>
+        <p:cTn id="1" dur="indefinite" restart="never" nodeType="tmRoot">
+          <p:childTnLst>
+            <p:seq concurrent="1" nextAc="seek">
+              <p:cTn id="2" dur="indefinite" nodeType="mainSeq">
+                <p:childTnLst>
+                  <p:par>
+                    <p:cTn id="3" fill="hold">
+                      <p:stCondLst>
+                        <p:cond delay="indefinite"/>
+                        <p:cond evt="onBegin" delay="0">
+                          <p:tn val="2"/>
+                        </p:cond>
+                      </p:stCondLst>
+                      <p:childTnLst>
+                        <p:par>
+                          <p:cTn id="4" fill="hold">
+                            <p:stCondLst>
+                              <p:cond delay="0"/>
+                            </p:stCondLst>
+                            <p:childTnLst>
+                              <p:par>
+                                <p:cTn id="5" presetID="22" presetClass="entr" presetSubtype="8" fill="hold" nodeType="withEffect">
+                                  <p:stCondLst>
+                                    <p:cond delay="0"/>
+                                  </p:stCondLst>
+                                  <p:childTnLst>
+                                    <p:set>
+                                      <p:cBhvr>
+                                        <p:cTn id="6" dur="1" fill="hold">
+                                          <p:stCondLst>
+                                            <p:cond delay="0"/>
+                                          </p:stCondLst>
+                                        </p:cTn>
+                                        <p:tgtEl>
+                                          <p:spTgt spid="4"/>
+                                        </p:tgtEl>
+                                        <p:attrNameLst>
+                                          <p:attrName>style.visibility</p:attrName>
+                                        </p:attrNameLst>
+                                      </p:cBhvr>
+                                      <p:to>
+                                        <p:strVal val="visible"/>
+                                      </p:to>
+                                    </p:set>
+                                    <p:animEffect transition="in" filter="wipe(left)">
+                                      <p:cBhvr>
+                                        <p:cTn id="7" dur="500"/>
+                                        <p:tgtEl>
+                                          <p:spTgt spid="4"/>
+                                        </p:tgtEl>
+                                      </p:cBhvr>
+                                    </p:animEffect>
+                                  </p:childTnLst>
+                                </p:cTn>
+                              </p:par>
+                            </p:childTnLst>
+                          </p:cTn>
+                        </p:par>
+                        <p:par>
+                          <p:cTn id="8" fill="hold">
+                            <p:stCondLst>
+                              <p:cond delay="500"/>
+                            </p:stCondLst>
+                            <p:childTnLst>
+                              <p:par>
+                                <p:cTn id="9" presetID="22" presetClass="entr" presetSubtype="8" fill="hold" nodeType="afterEffect">
+                                  <p:stCondLst>
+                                    <p:cond delay="0"/>
+                                  </p:stCondLst>
+                                  <p:childTnLst>
+                                    <p:set>
+                                      <p:cBhvr>
+                                        <p:cTn id="10" dur="1" fill="hold">
+                                          <p:stCondLst>
+                                            <p:cond delay="0"/>
+                                          </p:stCondLst>
+                                        </p:cTn>
+                                        <p:tgtEl>
+                                          <p:spTgt spid="5"/>
+                                        </p:tgtEl>
+                                        <p:attrNameLst>
+                                          <p:attrName>style.visibility</p:attrName>
+                                        </p:attrNameLst>
+                                      </p:cBhvr>
+                                      <p:to>
+                                        <p:strVal val="visible"/>
+                                      </p:to>
+                                    </p:set>
+                                    <p:animEffect transition="in" filter="wipe(left)">
+                                      <p:cBhvr>
+                                        <p:cTn id="11" dur="500"/>
+                                        <p:tgtEl>
+                                          <p:spTgt spid="5"/>
+                                        </p:tgtEl>
+                                      </p:cBhvr>
+                                    </p:animEffect>
+                                  </p:childTnLst>
+                                </p:cTn>
+                              </p:par>
+                            </p:childTnLst>
+                          </p:cTn>
+                        </p:par>
+                      </p:childTnLst>
+                    </p:cTn>
+                  </p:par>
+                </p:childTnLst>
+              </p:cTn>
+              <p:prevCondLst>
+                <p:cond evt="onPrev" delay="0">
+                  <p:tgtEl>
+                    <p:sldTgt/>
+                  </p:tgtEl>
+                </p:cond>
+              </p:prevCondLst>
+              <p:nextCondLst>
+                <p:cond evt="onNext" delay="0">
+                  <p:tgtEl>
+                    <p:sldTgt/>
+                  </p:tgtEl>
+                </p:cond>
+              </p:nextCondLst>
+            </p:seq>
+          </p:childTnLst>
+        </p:cTn>
+      </p:par>
+    </p:tnLst>
+  </p:timing>
 </p:sld>
 </file>
 
